--- a/Calendario2024/Presentaciones/12_NAT.pptx
+++ b/Calendario2024/Presentaciones/12_NAT.pptx
@@ -217,7 +217,7 @@
           <a:p>
             <a:fld id="{2D445F07-8756-451B-A938-0248325FC7BB}" type="datetimeFigureOut">
               <a:rPr lang="es-MX" smtClean="0"/>
-              <a:t>25/04/2023</a:t>
+              <a:t>27/05/2024</a:t>
             </a:fld>
             <a:endParaRPr lang="es-MX" dirty="0"/>
           </a:p>
@@ -376,7 +376,7 @@
           <a:p>
             <a:fld id="{5993AEC0-242E-4FA7-9D3C-51E1036AC3CB}" type="slidenum">
               <a:rPr lang="es-MX" smtClean="0"/>
-              <a:t>‹Nº›</a:t>
+              <a:t>‹#›</a:t>
             </a:fld>
             <a:endParaRPr lang="es-MX" dirty="0"/>
           </a:p>
@@ -1342,7 +1342,7 @@
           <a:p>
             <a:fld id="{5E75A0DC-66C6-4CEC-A5EB-F8C97CEC3796}" type="datetimeFigureOut">
               <a:rPr lang="es-MX" smtClean="0"/>
-              <a:t>25/04/2023</a:t>
+              <a:t>27/05/2024</a:t>
             </a:fld>
             <a:endParaRPr lang="es-MX" dirty="0"/>
           </a:p>
@@ -1384,7 +1384,7 @@
           <a:p>
             <a:fld id="{C077EE1E-7A06-4E7F-9AFB-189FC69B7B0C}" type="slidenum">
               <a:rPr lang="es-MX" smtClean="0"/>
-              <a:t>‹Nº›</a:t>
+              <a:t>‹#›</a:t>
             </a:fld>
             <a:endParaRPr lang="es-MX" dirty="0"/>
           </a:p>
@@ -1512,7 +1512,7 @@
           <a:p>
             <a:fld id="{5E75A0DC-66C6-4CEC-A5EB-F8C97CEC3796}" type="datetimeFigureOut">
               <a:rPr lang="es-MX" smtClean="0"/>
-              <a:t>25/04/2023</a:t>
+              <a:t>27/05/2024</a:t>
             </a:fld>
             <a:endParaRPr lang="es-MX" dirty="0"/>
           </a:p>
@@ -1554,7 +1554,7 @@
           <a:p>
             <a:fld id="{C077EE1E-7A06-4E7F-9AFB-189FC69B7B0C}" type="slidenum">
               <a:rPr lang="es-MX" smtClean="0"/>
-              <a:t>‹Nº›</a:t>
+              <a:t>‹#›</a:t>
             </a:fld>
             <a:endParaRPr lang="es-MX" dirty="0"/>
           </a:p>
@@ -1692,7 +1692,7 @@
           <a:p>
             <a:fld id="{5E75A0DC-66C6-4CEC-A5EB-F8C97CEC3796}" type="datetimeFigureOut">
               <a:rPr lang="es-MX" smtClean="0"/>
-              <a:t>25/04/2023</a:t>
+              <a:t>27/05/2024</a:t>
             </a:fld>
             <a:endParaRPr lang="es-MX" dirty="0"/>
           </a:p>
@@ -1734,7 +1734,7 @@
           <a:p>
             <a:fld id="{C077EE1E-7A06-4E7F-9AFB-189FC69B7B0C}" type="slidenum">
               <a:rPr lang="es-MX" smtClean="0"/>
-              <a:t>‹Nº›</a:t>
+              <a:t>‹#›</a:t>
             </a:fld>
             <a:endParaRPr lang="es-MX" dirty="0"/>
           </a:p>
@@ -1862,7 +1862,7 @@
           <a:p>
             <a:fld id="{5E75A0DC-66C6-4CEC-A5EB-F8C97CEC3796}" type="datetimeFigureOut">
               <a:rPr lang="es-MX" smtClean="0"/>
-              <a:t>25/04/2023</a:t>
+              <a:t>27/05/2024</a:t>
             </a:fld>
             <a:endParaRPr lang="es-MX" dirty="0"/>
           </a:p>
@@ -1904,7 +1904,7 @@
           <a:p>
             <a:fld id="{C077EE1E-7A06-4E7F-9AFB-189FC69B7B0C}" type="slidenum">
               <a:rPr lang="es-MX" smtClean="0"/>
-              <a:t>‹Nº›</a:t>
+              <a:t>‹#›</a:t>
             </a:fld>
             <a:endParaRPr lang="es-MX" dirty="0"/>
           </a:p>
@@ -2108,7 +2108,7 @@
           <a:p>
             <a:fld id="{5E75A0DC-66C6-4CEC-A5EB-F8C97CEC3796}" type="datetimeFigureOut">
               <a:rPr lang="es-MX" smtClean="0"/>
-              <a:t>25/04/2023</a:t>
+              <a:t>27/05/2024</a:t>
             </a:fld>
             <a:endParaRPr lang="es-MX" dirty="0"/>
           </a:p>
@@ -2150,7 +2150,7 @@
           <a:p>
             <a:fld id="{C077EE1E-7A06-4E7F-9AFB-189FC69B7B0C}" type="slidenum">
               <a:rPr lang="es-MX" smtClean="0"/>
-              <a:t>‹Nº›</a:t>
+              <a:t>‹#›</a:t>
             </a:fld>
             <a:endParaRPr lang="es-MX" dirty="0"/>
           </a:p>
@@ -2396,7 +2396,7 @@
           <a:p>
             <a:fld id="{5E75A0DC-66C6-4CEC-A5EB-F8C97CEC3796}" type="datetimeFigureOut">
               <a:rPr lang="es-MX" smtClean="0"/>
-              <a:t>25/04/2023</a:t>
+              <a:t>27/05/2024</a:t>
             </a:fld>
             <a:endParaRPr lang="es-MX" dirty="0"/>
           </a:p>
@@ -2438,7 +2438,7 @@
           <a:p>
             <a:fld id="{C077EE1E-7A06-4E7F-9AFB-189FC69B7B0C}" type="slidenum">
               <a:rPr lang="es-MX" smtClean="0"/>
-              <a:t>‹Nº›</a:t>
+              <a:t>‹#›</a:t>
             </a:fld>
             <a:endParaRPr lang="es-MX" dirty="0"/>
           </a:p>
@@ -2818,7 +2818,7 @@
           <a:p>
             <a:fld id="{5E75A0DC-66C6-4CEC-A5EB-F8C97CEC3796}" type="datetimeFigureOut">
               <a:rPr lang="es-MX" smtClean="0"/>
-              <a:t>25/04/2023</a:t>
+              <a:t>27/05/2024</a:t>
             </a:fld>
             <a:endParaRPr lang="es-MX" dirty="0"/>
           </a:p>
@@ -2860,7 +2860,7 @@
           <a:p>
             <a:fld id="{C077EE1E-7A06-4E7F-9AFB-189FC69B7B0C}" type="slidenum">
               <a:rPr lang="es-MX" smtClean="0"/>
-              <a:t>‹Nº›</a:t>
+              <a:t>‹#›</a:t>
             </a:fld>
             <a:endParaRPr lang="es-MX" dirty="0"/>
           </a:p>
@@ -2936,7 +2936,7 @@
           <a:p>
             <a:fld id="{5E75A0DC-66C6-4CEC-A5EB-F8C97CEC3796}" type="datetimeFigureOut">
               <a:rPr lang="es-MX" smtClean="0"/>
-              <a:t>25/04/2023</a:t>
+              <a:t>27/05/2024</a:t>
             </a:fld>
             <a:endParaRPr lang="es-MX" dirty="0"/>
           </a:p>
@@ -2978,7 +2978,7 @@
           <a:p>
             <a:fld id="{C077EE1E-7A06-4E7F-9AFB-189FC69B7B0C}" type="slidenum">
               <a:rPr lang="es-MX" smtClean="0"/>
-              <a:t>‹Nº›</a:t>
+              <a:t>‹#›</a:t>
             </a:fld>
             <a:endParaRPr lang="es-MX" dirty="0"/>
           </a:p>
@@ -3031,7 +3031,7 @@
           <a:p>
             <a:fld id="{5E75A0DC-66C6-4CEC-A5EB-F8C97CEC3796}" type="datetimeFigureOut">
               <a:rPr lang="es-MX" smtClean="0"/>
-              <a:t>25/04/2023</a:t>
+              <a:t>27/05/2024</a:t>
             </a:fld>
             <a:endParaRPr lang="es-MX" dirty="0"/>
           </a:p>
@@ -3073,7 +3073,7 @@
           <a:p>
             <a:fld id="{C077EE1E-7A06-4E7F-9AFB-189FC69B7B0C}" type="slidenum">
               <a:rPr lang="es-MX" smtClean="0"/>
-              <a:t>‹Nº›</a:t>
+              <a:t>‹#›</a:t>
             </a:fld>
             <a:endParaRPr lang="es-MX" dirty="0"/>
           </a:p>
@@ -3308,7 +3308,7 @@
           <a:p>
             <a:fld id="{5E75A0DC-66C6-4CEC-A5EB-F8C97CEC3796}" type="datetimeFigureOut">
               <a:rPr lang="es-MX" smtClean="0"/>
-              <a:t>25/04/2023</a:t>
+              <a:t>27/05/2024</a:t>
             </a:fld>
             <a:endParaRPr lang="es-MX" dirty="0"/>
           </a:p>
@@ -3350,7 +3350,7 @@
           <a:p>
             <a:fld id="{C077EE1E-7A06-4E7F-9AFB-189FC69B7B0C}" type="slidenum">
               <a:rPr lang="es-MX" smtClean="0"/>
-              <a:t>‹Nº›</a:t>
+              <a:t>‹#›</a:t>
             </a:fld>
             <a:endParaRPr lang="es-MX" dirty="0"/>
           </a:p>
@@ -3561,7 +3561,7 @@
           <a:p>
             <a:fld id="{5E75A0DC-66C6-4CEC-A5EB-F8C97CEC3796}" type="datetimeFigureOut">
               <a:rPr lang="es-MX" smtClean="0"/>
-              <a:t>25/04/2023</a:t>
+              <a:t>27/05/2024</a:t>
             </a:fld>
             <a:endParaRPr lang="es-MX" dirty="0"/>
           </a:p>
@@ -3603,7 +3603,7 @@
           <a:p>
             <a:fld id="{C077EE1E-7A06-4E7F-9AFB-189FC69B7B0C}" type="slidenum">
               <a:rPr lang="es-MX" smtClean="0"/>
-              <a:t>‹Nº›</a:t>
+              <a:t>‹#›</a:t>
             </a:fld>
             <a:endParaRPr lang="es-MX" dirty="0"/>
           </a:p>
@@ -3774,7 +3774,7 @@
           <a:p>
             <a:fld id="{5E75A0DC-66C6-4CEC-A5EB-F8C97CEC3796}" type="datetimeFigureOut">
               <a:rPr lang="es-MX" smtClean="0"/>
-              <a:t>25/04/2023</a:t>
+              <a:t>27/05/2024</a:t>
             </a:fld>
             <a:endParaRPr lang="es-MX" dirty="0"/>
           </a:p>
@@ -3852,7 +3852,7 @@
           <a:p>
             <a:fld id="{C077EE1E-7A06-4E7F-9AFB-189FC69B7B0C}" type="slidenum">
               <a:rPr lang="es-MX" smtClean="0"/>
-              <a:t>‹Nº›</a:t>
+              <a:t>‹#›</a:t>
             </a:fld>
             <a:endParaRPr lang="es-MX" dirty="0"/>
           </a:p>
@@ -10895,7 +10895,31 @@
                 <a:latin typeface="Arial" panose="020B0604020202020204" pitchFamily="34" charset="0"/>
                 <a:cs typeface="Arial" panose="020B0604020202020204" pitchFamily="34" charset="0"/>
               </a:rPr>
-              <a:t> y para la traducción se utiliza el puerto (puerto generado de manera dinámica y aleatoria arriba de 1024).</a:t>
+              <a:t> y para la traducción se utiliza el puerto (puerto generado de manera dinámica y aleatoria arriba de 1024 y hasta 2</a:t>
+            </a:r>
+            <a:r>
+              <a:rPr lang="es-ES" sz="1400" baseline="30000" dirty="0">
+                <a:solidFill>
+                  <a:schemeClr val="bg2">
+                    <a:lumMod val="25000"/>
+                  </a:schemeClr>
+                </a:solidFill>
+                <a:latin typeface="Arial" panose="020B0604020202020204" pitchFamily="34" charset="0"/>
+                <a:cs typeface="Arial" panose="020B0604020202020204" pitchFamily="34" charset="0"/>
+              </a:rPr>
+              <a:t>16 </a:t>
+            </a:r>
+            <a:r>
+              <a:rPr lang="es-ES" sz="1400" dirty="0">
+                <a:solidFill>
+                  <a:schemeClr val="bg2">
+                    <a:lumMod val="25000"/>
+                  </a:schemeClr>
+                </a:solidFill>
+                <a:latin typeface="Arial" panose="020B0604020202020204" pitchFamily="34" charset="0"/>
+                <a:cs typeface="Arial" panose="020B0604020202020204" pitchFamily="34" charset="0"/>
+              </a:rPr>
+              <a:t> = 65536).</a:t>
             </a:r>
             <a:endParaRPr lang="es-MX" sz="1600" dirty="0">
               <a:solidFill>
